--- a/训练中心创客交叉融合空间建设/media/单层效果图/现场设施.pptx
+++ b/训练中心创客交叉融合空间建设/media/单层效果图/现场设施.pptx
@@ -105,6 +105,11 @@
       </a:defRPr>
     </a:lvl9pPr>
   </p:defaultTextStyle>
+  <p:extLst>
+    <p:ext uri="{EFAFB233-063F-42B5-8137-9DF3F51BA10A}">
+      <p15:sldGuideLst xmlns:p15="http://schemas.microsoft.com/office/powerpoint/2012/main"/>
+    </p:ext>
+  </p:extLst>
 </p:presentation>
 </file>
 
@@ -3554,7 +3559,7 @@
         </p:nvSpPr>
         <p:spPr>
           <a:xfrm flipH="1">
-            <a:off x="3686476" y="6199879"/>
+            <a:off x="3686476" y="6101557"/>
             <a:ext cx="1366786" cy="252663"/>
           </a:xfrm>
           <a:prstGeom prst="accentCallout2">
@@ -3563,8 +3568,8 @@
               <a:gd name="adj2" fmla="val -8333"/>
               <a:gd name="adj3" fmla="val 18750"/>
               <a:gd name="adj4" fmla="val -16667"/>
-              <a:gd name="adj5" fmla="val -692416"/>
-              <a:gd name="adj6" fmla="val -84944"/>
+              <a:gd name="adj5" fmla="val -653501"/>
+              <a:gd name="adj6" fmla="val -71995"/>
             </a:avLst>
           </a:prstGeom>
           <a:noFill/>
@@ -3692,7 +3697,7 @@
         </p:nvSpPr>
         <p:spPr>
           <a:xfrm>
-            <a:off x="1900990" y="6198674"/>
+            <a:off x="1900990" y="6100352"/>
             <a:ext cx="1530417" cy="252663"/>
           </a:xfrm>
           <a:prstGeom prst="accentCallout2">
@@ -3701,8 +3706,8 @@
               <a:gd name="adj2" fmla="val -8333"/>
               <a:gd name="adj3" fmla="val 18750"/>
               <a:gd name="adj4" fmla="val -16667"/>
-              <a:gd name="adj5" fmla="val -799534"/>
-              <a:gd name="adj6" fmla="val -83399"/>
+              <a:gd name="adj5" fmla="val -752837"/>
+              <a:gd name="adj6" fmla="val -77617"/>
             </a:avLst>
           </a:prstGeom>
           <a:noFill/>
@@ -3741,6 +3746,85 @@
                 <a:ea typeface="楷体" panose="02010609060101010101" pitchFamily="49" charset="-122"/>
               </a:rPr>
               <a:t>文化与交流区</a:t>
+            </a:r>
+            <a:endParaRPr lang="zh-CN" altLang="en-US" dirty="0">
+              <a:solidFill>
+                <a:sysClr val="windowText" lastClr="000000"/>
+              </a:solidFill>
+              <a:latin typeface="楷体" panose="02010609060101010101" pitchFamily="49" charset="-122"/>
+              <a:ea typeface="楷体" panose="02010609060101010101" pitchFamily="49" charset="-122"/>
+            </a:endParaRPr>
+          </a:p>
+        </p:txBody>
+      </p:sp>
+      <p:sp>
+        <p:nvSpPr>
+          <p:cNvPr id="9" name="Line Callout 2 (Accent Bar) 8"/>
+          <p:cNvSpPr/>
+          <p:nvPr/>
+        </p:nvSpPr>
+        <p:spPr>
+          <a:xfrm flipH="1">
+            <a:off x="4914161" y="6480211"/>
+            <a:ext cx="2531443" cy="252663"/>
+          </a:xfrm>
+          <a:prstGeom prst="accentCallout2">
+            <a:avLst>
+              <a:gd name="adj1" fmla="val 18750"/>
+              <a:gd name="adj2" fmla="val -8333"/>
+              <a:gd name="adj3" fmla="val 18750"/>
+              <a:gd name="adj4" fmla="val -16667"/>
+              <a:gd name="adj5" fmla="val -805268"/>
+              <a:gd name="adj6" fmla="val -53483"/>
+            </a:avLst>
+          </a:prstGeom>
+          <a:noFill/>
+          <a:ln w="19050">
+            <a:solidFill>
+              <a:schemeClr val="tx1"/>
+            </a:solidFill>
+          </a:ln>
+        </p:spPr>
+        <p:style>
+          <a:lnRef idx="2">
+            <a:schemeClr val="accent1">
+              <a:shade val="50000"/>
+            </a:schemeClr>
+          </a:lnRef>
+          <a:fillRef idx="1">
+            <a:schemeClr val="accent1"/>
+          </a:fillRef>
+          <a:effectRef idx="0">
+            <a:schemeClr val="accent1"/>
+          </a:effectRef>
+          <a:fontRef idx="minor">
+            <a:schemeClr val="lt1"/>
+          </a:fontRef>
+        </p:style>
+        <p:txBody>
+          <a:bodyPr lIns="0" rIns="0" rtlCol="0" anchor="ctr"/>
+          <a:lstStyle/>
+          <a:p>
+            <a:pPr algn="r"/>
+            <a:r>
+              <a:rPr lang="zh-CN" altLang="en-US" dirty="0">
+                <a:solidFill>
+                  <a:sysClr val="windowText" lastClr="000000"/>
+                </a:solidFill>
+                <a:latin typeface="楷体" panose="02010609060101010101" pitchFamily="49" charset="-122"/>
+                <a:ea typeface="楷体" panose="02010609060101010101" pitchFamily="49" charset="-122"/>
+              </a:rPr>
+              <a:t>先进制造</a:t>
+            </a:r>
+            <a:r>
+              <a:rPr lang="zh-CN" altLang="en-US" dirty="0" smtClean="0">
+                <a:solidFill>
+                  <a:sysClr val="windowText" lastClr="000000"/>
+                </a:solidFill>
+                <a:latin typeface="楷体" panose="02010609060101010101" pitchFamily="49" charset="-122"/>
+                <a:ea typeface="楷体" panose="02010609060101010101" pitchFamily="49" charset="-122"/>
+              </a:rPr>
+              <a:t>加工单元云服务</a:t>
             </a:r>
             <a:endParaRPr lang="zh-CN" altLang="en-US" dirty="0">
               <a:solidFill>
